--- a/SooP간략 기획안.pptx
+++ b/SooP간략 기획안.pptx
@@ -6,6 +6,7 @@
   </p:sldMasterIdLst>
   <p:sldIdLst>
     <p:sldId id="256" r:id="rId2"/>
+    <p:sldId id="257" r:id="rId3"/>
   </p:sldIdLst>
   <p:sldSz cx="12192000" cy="6858000"/>
   <p:notesSz cx="6858000" cy="9144000"/>
@@ -104,6 +105,11 @@
       </a:defRPr>
     </a:lvl9pPr>
   </p:defaultTextStyle>
+  <p:extLst>
+    <p:ext uri="{EFAFB233-063F-42B5-8137-9DF3F51BA10A}">
+      <p15:sldGuideLst xmlns:p15="http://schemas.microsoft.com/office/powerpoint/2012/main"/>
+    </p:ext>
+  </p:extLst>
 </p:presentation>
 </file>
 
@@ -2988,32 +2994,12 @@
           <a:p>
             <a:pPr algn="l"/>
             <a:r>
+              <a:rPr lang="ko-KR" altLang="en-US" dirty="0" smtClean="0"/>
+              <a:t>개인 블로그 페이지 및 </a:t>
+            </a:r>
+            <a:r>
               <a:rPr lang="en-US" altLang="ko-KR" dirty="0" smtClean="0"/>
-              <a:t>Tumblr</a:t>
-            </a:r>
-            <a:r>
-              <a:rPr lang="ko-KR" altLang="en-US" dirty="0"/>
-              <a:t> </a:t>
-            </a:r>
-            <a:r>
-              <a:rPr lang="ko-KR" altLang="en-US" dirty="0" smtClean="0"/>
-              <a:t>처럼 </a:t>
-            </a:r>
-            <a:r>
-              <a:rPr lang="en-US" altLang="ko-KR" dirty="0" smtClean="0"/>
-              <a:t>Post</a:t>
-            </a:r>
-            <a:r>
-              <a:rPr lang="ko-KR" altLang="en-US" dirty="0" smtClean="0"/>
-              <a:t>에는 블로그가 나오며 블로그의 위치를 동선으로 연결한 </a:t>
-            </a:r>
-            <a:r>
-              <a:rPr lang="ko-KR" altLang="en-US" dirty="0" err="1" smtClean="0"/>
-              <a:t>맵을</a:t>
-            </a:r>
-            <a:r>
-              <a:rPr lang="ko-KR" altLang="en-US" dirty="0" smtClean="0"/>
-              <a:t> 생성</a:t>
+              <a:t>Following Page</a:t>
             </a:r>
             <a:endParaRPr lang="ko-KR" altLang="en-US" dirty="0"/>
           </a:p>
@@ -3067,23 +3053,53 @@
           </a:prstGeom>
         </p:spPr>
       </p:pic>
+    </p:spTree>
+    <p:extLst>
+      <p:ext uri="{BB962C8B-B14F-4D97-AF65-F5344CB8AC3E}">
+        <p14:creationId xmlns:p14="http://schemas.microsoft.com/office/powerpoint/2010/main" val="4035745853"/>
+      </p:ext>
+    </p:extLst>
+  </p:cSld>
+  <p:clrMapOvr>
+    <a:masterClrMapping/>
+  </p:clrMapOvr>
+</p:sld>
+</file>
+
+<file path=ppt/slides/slide2.xml><?xml version="1.0" encoding="utf-8"?>
+<p:sld xmlns:a="http://schemas.openxmlformats.org/drawingml/2006/main" xmlns:r="http://schemas.openxmlformats.org/officeDocument/2006/relationships" xmlns:p="http://schemas.openxmlformats.org/presentationml/2006/main">
+  <p:cSld>
+    <p:spTree>
+      <p:nvGrpSpPr>
+        <p:cNvPr id="1" name=""/>
+        <p:cNvGrpSpPr/>
+        <p:nvPr/>
+      </p:nvGrpSpPr>
+      <p:grpSpPr>
+        <a:xfrm>
+          <a:off x="0" y="0"/>
+          <a:ext cx="0" cy="0"/>
+          <a:chOff x="0" y="0"/>
+          <a:chExt cx="0" cy="0"/>
+        </a:xfrm>
+      </p:grpSpPr>
       <p:pic>
         <p:nvPicPr>
-          <p:cNvPr id="6" name="그림 5"/>
+          <p:cNvPr id="4" name="그림 3"/>
           <p:cNvPicPr>
             <a:picLocks noChangeAspect="1"/>
           </p:cNvPicPr>
           <p:nvPr/>
         </p:nvPicPr>
         <p:blipFill>
-          <a:blip r:embed="rId4"/>
+          <a:blip r:embed="rId2"/>
           <a:stretch>
             <a:fillRect/>
           </a:stretch>
         </p:blipFill>
         <p:spPr>
           <a:xfrm>
-            <a:off x="7244715" y="411479"/>
+            <a:off x="386715" y="450668"/>
             <a:ext cx="3448050" cy="6286500"/>
           </a:xfrm>
           <a:prstGeom prst="rect">
@@ -3091,10 +3107,502 @@
           </a:prstGeom>
         </p:spPr>
       </p:pic>
+      <p:sp>
+        <p:nvSpPr>
+          <p:cNvPr id="5" name="부제목 2"/>
+          <p:cNvSpPr txBox="1">
+            <a:spLocks/>
+          </p:cNvSpPr>
+          <p:nvPr/>
+        </p:nvSpPr>
+        <p:spPr>
+          <a:xfrm>
+            <a:off x="0" y="104502"/>
+            <a:ext cx="10541726" cy="306977"/>
+          </a:xfrm>
+          <a:prstGeom prst="rect">
+            <a:avLst/>
+          </a:prstGeom>
+        </p:spPr>
+        <p:txBody>
+          <a:bodyPr vert="horz" lIns="91440" tIns="45720" rIns="91440" bIns="45720" rtlCol="0">
+            <a:normAutofit fontScale="70000" lnSpcReduction="20000"/>
+          </a:bodyPr>
+          <a:lstStyle>
+            <a:lvl1pPr marL="228600" indent="-228600" algn="l" defTabSz="914400" rtl="0" eaLnBrk="1" latinLnBrk="1" hangingPunct="1">
+              <a:lnSpc>
+                <a:spcPct val="90000"/>
+              </a:lnSpc>
+              <a:spcBef>
+                <a:spcPts val="1000"/>
+              </a:spcBef>
+              <a:buFont typeface="Arial" panose="020B0604020202020204" pitchFamily="34" charset="0"/>
+              <a:buChar char="•"/>
+              <a:defRPr sz="2800" kern="1200">
+                <a:solidFill>
+                  <a:schemeClr val="tx1"/>
+                </a:solidFill>
+                <a:latin typeface="+mn-lt"/>
+                <a:ea typeface="+mn-ea"/>
+                <a:cs typeface="+mn-cs"/>
+              </a:defRPr>
+            </a:lvl1pPr>
+            <a:lvl2pPr marL="685800" indent="-228600" algn="l" defTabSz="914400" rtl="0" eaLnBrk="1" latinLnBrk="1" hangingPunct="1">
+              <a:lnSpc>
+                <a:spcPct val="90000"/>
+              </a:lnSpc>
+              <a:spcBef>
+                <a:spcPts val="500"/>
+              </a:spcBef>
+              <a:buFont typeface="Arial" panose="020B0604020202020204" pitchFamily="34" charset="0"/>
+              <a:buChar char="•"/>
+              <a:defRPr sz="2400" kern="1200">
+                <a:solidFill>
+                  <a:schemeClr val="tx1"/>
+                </a:solidFill>
+                <a:latin typeface="+mn-lt"/>
+                <a:ea typeface="+mn-ea"/>
+                <a:cs typeface="+mn-cs"/>
+              </a:defRPr>
+            </a:lvl2pPr>
+            <a:lvl3pPr marL="1143000" indent="-228600" algn="l" defTabSz="914400" rtl="0" eaLnBrk="1" latinLnBrk="1" hangingPunct="1">
+              <a:lnSpc>
+                <a:spcPct val="90000"/>
+              </a:lnSpc>
+              <a:spcBef>
+                <a:spcPts val="500"/>
+              </a:spcBef>
+              <a:buFont typeface="Arial" panose="020B0604020202020204" pitchFamily="34" charset="0"/>
+              <a:buChar char="•"/>
+              <a:defRPr sz="2000" kern="1200">
+                <a:solidFill>
+                  <a:schemeClr val="tx1"/>
+                </a:solidFill>
+                <a:latin typeface="+mn-lt"/>
+                <a:ea typeface="+mn-ea"/>
+                <a:cs typeface="+mn-cs"/>
+              </a:defRPr>
+            </a:lvl3pPr>
+            <a:lvl4pPr marL="1600200" indent="-228600" algn="l" defTabSz="914400" rtl="0" eaLnBrk="1" latinLnBrk="1" hangingPunct="1">
+              <a:lnSpc>
+                <a:spcPct val="90000"/>
+              </a:lnSpc>
+              <a:spcBef>
+                <a:spcPts val="500"/>
+              </a:spcBef>
+              <a:buFont typeface="Arial" panose="020B0604020202020204" pitchFamily="34" charset="0"/>
+              <a:buChar char="•"/>
+              <a:defRPr sz="1800" kern="1200">
+                <a:solidFill>
+                  <a:schemeClr val="tx1"/>
+                </a:solidFill>
+                <a:latin typeface="+mn-lt"/>
+                <a:ea typeface="+mn-ea"/>
+                <a:cs typeface="+mn-cs"/>
+              </a:defRPr>
+            </a:lvl4pPr>
+            <a:lvl5pPr marL="2057400" indent="-228600" algn="l" defTabSz="914400" rtl="0" eaLnBrk="1" latinLnBrk="1" hangingPunct="1">
+              <a:lnSpc>
+                <a:spcPct val="90000"/>
+              </a:lnSpc>
+              <a:spcBef>
+                <a:spcPts val="500"/>
+              </a:spcBef>
+              <a:buFont typeface="Arial" panose="020B0604020202020204" pitchFamily="34" charset="0"/>
+              <a:buChar char="•"/>
+              <a:defRPr sz="1800" kern="1200">
+                <a:solidFill>
+                  <a:schemeClr val="tx1"/>
+                </a:solidFill>
+                <a:latin typeface="+mn-lt"/>
+                <a:ea typeface="+mn-ea"/>
+                <a:cs typeface="+mn-cs"/>
+              </a:defRPr>
+            </a:lvl5pPr>
+            <a:lvl6pPr marL="2514600" indent="-228600" algn="l" defTabSz="914400" rtl="0" eaLnBrk="1" latinLnBrk="1" hangingPunct="1">
+              <a:lnSpc>
+                <a:spcPct val="90000"/>
+              </a:lnSpc>
+              <a:spcBef>
+                <a:spcPts val="500"/>
+              </a:spcBef>
+              <a:buFont typeface="Arial" panose="020B0604020202020204" pitchFamily="34" charset="0"/>
+              <a:buChar char="•"/>
+              <a:defRPr sz="1800" kern="1200">
+                <a:solidFill>
+                  <a:schemeClr val="tx1"/>
+                </a:solidFill>
+                <a:latin typeface="+mn-lt"/>
+                <a:ea typeface="+mn-ea"/>
+                <a:cs typeface="+mn-cs"/>
+              </a:defRPr>
+            </a:lvl6pPr>
+            <a:lvl7pPr marL="2971800" indent="-228600" algn="l" defTabSz="914400" rtl="0" eaLnBrk="1" latinLnBrk="1" hangingPunct="1">
+              <a:lnSpc>
+                <a:spcPct val="90000"/>
+              </a:lnSpc>
+              <a:spcBef>
+                <a:spcPts val="500"/>
+              </a:spcBef>
+              <a:buFont typeface="Arial" panose="020B0604020202020204" pitchFamily="34" charset="0"/>
+              <a:buChar char="•"/>
+              <a:defRPr sz="1800" kern="1200">
+                <a:solidFill>
+                  <a:schemeClr val="tx1"/>
+                </a:solidFill>
+                <a:latin typeface="+mn-lt"/>
+                <a:ea typeface="+mn-ea"/>
+                <a:cs typeface="+mn-cs"/>
+              </a:defRPr>
+            </a:lvl7pPr>
+            <a:lvl8pPr marL="3429000" indent="-228600" algn="l" defTabSz="914400" rtl="0" eaLnBrk="1" latinLnBrk="1" hangingPunct="1">
+              <a:lnSpc>
+                <a:spcPct val="90000"/>
+              </a:lnSpc>
+              <a:spcBef>
+                <a:spcPts val="500"/>
+              </a:spcBef>
+              <a:buFont typeface="Arial" panose="020B0604020202020204" pitchFamily="34" charset="0"/>
+              <a:buChar char="•"/>
+              <a:defRPr sz="1800" kern="1200">
+                <a:solidFill>
+                  <a:schemeClr val="tx1"/>
+                </a:solidFill>
+                <a:latin typeface="+mn-lt"/>
+                <a:ea typeface="+mn-ea"/>
+                <a:cs typeface="+mn-cs"/>
+              </a:defRPr>
+            </a:lvl8pPr>
+            <a:lvl9pPr marL="3886200" indent="-228600" algn="l" defTabSz="914400" rtl="0" eaLnBrk="1" latinLnBrk="1" hangingPunct="1">
+              <a:lnSpc>
+                <a:spcPct val="90000"/>
+              </a:lnSpc>
+              <a:spcBef>
+                <a:spcPts val="500"/>
+              </a:spcBef>
+              <a:buFont typeface="Arial" panose="020B0604020202020204" pitchFamily="34" charset="0"/>
+              <a:buChar char="•"/>
+              <a:defRPr sz="1800" kern="1200">
+                <a:solidFill>
+                  <a:schemeClr val="tx1"/>
+                </a:solidFill>
+                <a:latin typeface="+mn-lt"/>
+                <a:ea typeface="+mn-ea"/>
+                <a:cs typeface="+mn-cs"/>
+              </a:defRPr>
+            </a:lvl9pPr>
+          </a:lstStyle>
+          <a:p>
+            <a:pPr marL="0" indent="0">
+              <a:buNone/>
+            </a:pPr>
+            <a:r>
+              <a:rPr lang="ko-KR" altLang="en-US" dirty="0" smtClean="0"/>
+              <a:t>각 블로그의 위치를 이용한 </a:t>
+            </a:r>
+            <a:r>
+              <a:rPr lang="ko-KR" altLang="en-US" dirty="0" err="1" smtClean="0"/>
+              <a:t>구글맵</a:t>
+            </a:r>
+            <a:r>
+              <a:rPr lang="ko-KR" altLang="en-US" dirty="0" smtClean="0"/>
+              <a:t> 구성</a:t>
+            </a:r>
+            <a:r>
+              <a:rPr lang="en-US" altLang="ko-KR" dirty="0" smtClean="0"/>
+              <a:t>.(</a:t>
+            </a:r>
+            <a:r>
+              <a:rPr lang="ko-KR" altLang="en-US" dirty="0" smtClean="0"/>
+              <a:t>핀트레스트의 </a:t>
+            </a:r>
+            <a:r>
+              <a:rPr lang="ko-KR" altLang="en-US" dirty="0" err="1" smtClean="0"/>
+              <a:t>보드개념</a:t>
+            </a:r>
+            <a:r>
+              <a:rPr lang="en-US" altLang="ko-KR" dirty="0" smtClean="0"/>
+              <a:t>)</a:t>
+            </a:r>
+            <a:endParaRPr lang="ko-KR" altLang="en-US" dirty="0"/>
+          </a:p>
+        </p:txBody>
+      </p:sp>
+      <p:sp>
+        <p:nvSpPr>
+          <p:cNvPr id="6" name="부제목 2"/>
+          <p:cNvSpPr txBox="1">
+            <a:spLocks/>
+          </p:cNvSpPr>
+          <p:nvPr/>
+        </p:nvSpPr>
+        <p:spPr>
+          <a:xfrm>
+            <a:off x="4267200" y="1458685"/>
+            <a:ext cx="4432663" cy="2016035"/>
+          </a:xfrm>
+          <a:prstGeom prst="rect">
+            <a:avLst/>
+          </a:prstGeom>
+        </p:spPr>
+        <p:txBody>
+          <a:bodyPr vert="horz" lIns="91440" tIns="45720" rIns="91440" bIns="45720" rtlCol="0">
+            <a:normAutofit/>
+          </a:bodyPr>
+          <a:lstStyle>
+            <a:lvl1pPr marL="228600" indent="-228600" algn="l" defTabSz="914400" rtl="0" eaLnBrk="1" latinLnBrk="1" hangingPunct="1">
+              <a:lnSpc>
+                <a:spcPct val="90000"/>
+              </a:lnSpc>
+              <a:spcBef>
+                <a:spcPts val="1000"/>
+              </a:spcBef>
+              <a:buFont typeface="Arial" panose="020B0604020202020204" pitchFamily="34" charset="0"/>
+              <a:buChar char="•"/>
+              <a:defRPr sz="2800" kern="1200">
+                <a:solidFill>
+                  <a:schemeClr val="tx1"/>
+                </a:solidFill>
+                <a:latin typeface="+mn-lt"/>
+                <a:ea typeface="+mn-ea"/>
+                <a:cs typeface="+mn-cs"/>
+              </a:defRPr>
+            </a:lvl1pPr>
+            <a:lvl2pPr marL="685800" indent="-228600" algn="l" defTabSz="914400" rtl="0" eaLnBrk="1" latinLnBrk="1" hangingPunct="1">
+              <a:lnSpc>
+                <a:spcPct val="90000"/>
+              </a:lnSpc>
+              <a:spcBef>
+                <a:spcPts val="500"/>
+              </a:spcBef>
+              <a:buFont typeface="Arial" panose="020B0604020202020204" pitchFamily="34" charset="0"/>
+              <a:buChar char="•"/>
+              <a:defRPr sz="2400" kern="1200">
+                <a:solidFill>
+                  <a:schemeClr val="tx1"/>
+                </a:solidFill>
+                <a:latin typeface="+mn-lt"/>
+                <a:ea typeface="+mn-ea"/>
+                <a:cs typeface="+mn-cs"/>
+              </a:defRPr>
+            </a:lvl2pPr>
+            <a:lvl3pPr marL="1143000" indent="-228600" algn="l" defTabSz="914400" rtl="0" eaLnBrk="1" latinLnBrk="1" hangingPunct="1">
+              <a:lnSpc>
+                <a:spcPct val="90000"/>
+              </a:lnSpc>
+              <a:spcBef>
+                <a:spcPts val="500"/>
+              </a:spcBef>
+              <a:buFont typeface="Arial" panose="020B0604020202020204" pitchFamily="34" charset="0"/>
+              <a:buChar char="•"/>
+              <a:defRPr sz="2000" kern="1200">
+                <a:solidFill>
+                  <a:schemeClr val="tx1"/>
+                </a:solidFill>
+                <a:latin typeface="+mn-lt"/>
+                <a:ea typeface="+mn-ea"/>
+                <a:cs typeface="+mn-cs"/>
+              </a:defRPr>
+            </a:lvl3pPr>
+            <a:lvl4pPr marL="1600200" indent="-228600" algn="l" defTabSz="914400" rtl="0" eaLnBrk="1" latinLnBrk="1" hangingPunct="1">
+              <a:lnSpc>
+                <a:spcPct val="90000"/>
+              </a:lnSpc>
+              <a:spcBef>
+                <a:spcPts val="500"/>
+              </a:spcBef>
+              <a:buFont typeface="Arial" panose="020B0604020202020204" pitchFamily="34" charset="0"/>
+              <a:buChar char="•"/>
+              <a:defRPr sz="1800" kern="1200">
+                <a:solidFill>
+                  <a:schemeClr val="tx1"/>
+                </a:solidFill>
+                <a:latin typeface="+mn-lt"/>
+                <a:ea typeface="+mn-ea"/>
+                <a:cs typeface="+mn-cs"/>
+              </a:defRPr>
+            </a:lvl4pPr>
+            <a:lvl5pPr marL="2057400" indent="-228600" algn="l" defTabSz="914400" rtl="0" eaLnBrk="1" latinLnBrk="1" hangingPunct="1">
+              <a:lnSpc>
+                <a:spcPct val="90000"/>
+              </a:lnSpc>
+              <a:spcBef>
+                <a:spcPts val="500"/>
+              </a:spcBef>
+              <a:buFont typeface="Arial" panose="020B0604020202020204" pitchFamily="34" charset="0"/>
+              <a:buChar char="•"/>
+              <a:defRPr sz="1800" kern="1200">
+                <a:solidFill>
+                  <a:schemeClr val="tx1"/>
+                </a:solidFill>
+                <a:latin typeface="+mn-lt"/>
+                <a:ea typeface="+mn-ea"/>
+                <a:cs typeface="+mn-cs"/>
+              </a:defRPr>
+            </a:lvl5pPr>
+            <a:lvl6pPr marL="2514600" indent="-228600" algn="l" defTabSz="914400" rtl="0" eaLnBrk="1" latinLnBrk="1" hangingPunct="1">
+              <a:lnSpc>
+                <a:spcPct val="90000"/>
+              </a:lnSpc>
+              <a:spcBef>
+                <a:spcPts val="500"/>
+              </a:spcBef>
+              <a:buFont typeface="Arial" panose="020B0604020202020204" pitchFamily="34" charset="0"/>
+              <a:buChar char="•"/>
+              <a:defRPr sz="1800" kern="1200">
+                <a:solidFill>
+                  <a:schemeClr val="tx1"/>
+                </a:solidFill>
+                <a:latin typeface="+mn-lt"/>
+                <a:ea typeface="+mn-ea"/>
+                <a:cs typeface="+mn-cs"/>
+              </a:defRPr>
+            </a:lvl6pPr>
+            <a:lvl7pPr marL="2971800" indent="-228600" algn="l" defTabSz="914400" rtl="0" eaLnBrk="1" latinLnBrk="1" hangingPunct="1">
+              <a:lnSpc>
+                <a:spcPct val="90000"/>
+              </a:lnSpc>
+              <a:spcBef>
+                <a:spcPts val="500"/>
+              </a:spcBef>
+              <a:buFont typeface="Arial" panose="020B0604020202020204" pitchFamily="34" charset="0"/>
+              <a:buChar char="•"/>
+              <a:defRPr sz="1800" kern="1200">
+                <a:solidFill>
+                  <a:schemeClr val="tx1"/>
+                </a:solidFill>
+                <a:latin typeface="+mn-lt"/>
+                <a:ea typeface="+mn-ea"/>
+                <a:cs typeface="+mn-cs"/>
+              </a:defRPr>
+            </a:lvl7pPr>
+            <a:lvl8pPr marL="3429000" indent="-228600" algn="l" defTabSz="914400" rtl="0" eaLnBrk="1" latinLnBrk="1" hangingPunct="1">
+              <a:lnSpc>
+                <a:spcPct val="90000"/>
+              </a:lnSpc>
+              <a:spcBef>
+                <a:spcPts val="500"/>
+              </a:spcBef>
+              <a:buFont typeface="Arial" panose="020B0604020202020204" pitchFamily="34" charset="0"/>
+              <a:buChar char="•"/>
+              <a:defRPr sz="1800" kern="1200">
+                <a:solidFill>
+                  <a:schemeClr val="tx1"/>
+                </a:solidFill>
+                <a:latin typeface="+mn-lt"/>
+                <a:ea typeface="+mn-ea"/>
+                <a:cs typeface="+mn-cs"/>
+              </a:defRPr>
+            </a:lvl8pPr>
+            <a:lvl9pPr marL="3886200" indent="-228600" algn="l" defTabSz="914400" rtl="0" eaLnBrk="1" latinLnBrk="1" hangingPunct="1">
+              <a:lnSpc>
+                <a:spcPct val="90000"/>
+              </a:lnSpc>
+              <a:spcBef>
+                <a:spcPts val="500"/>
+              </a:spcBef>
+              <a:buFont typeface="Arial" panose="020B0604020202020204" pitchFamily="34" charset="0"/>
+              <a:buChar char="•"/>
+              <a:defRPr sz="1800" kern="1200">
+                <a:solidFill>
+                  <a:schemeClr val="tx1"/>
+                </a:solidFill>
+                <a:latin typeface="+mn-lt"/>
+                <a:ea typeface="+mn-ea"/>
+                <a:cs typeface="+mn-cs"/>
+              </a:defRPr>
+            </a:lvl9pPr>
+          </a:lstStyle>
+          <a:p>
+            <a:pPr marL="0" indent="0">
+              <a:buNone/>
+            </a:pPr>
+            <a:r>
+              <a:rPr lang="ko-KR" altLang="en-US" sz="2000" dirty="0" smtClean="0"/>
+              <a:t>나머지 </a:t>
+            </a:r>
+            <a:r>
+              <a:rPr lang="ko-KR" altLang="en-US" sz="2000" dirty="0" err="1" smtClean="0"/>
+              <a:t>화면목록</a:t>
+            </a:r>
+            <a:r>
+              <a:rPr lang="en-US" altLang="ko-KR" sz="2000" dirty="0" smtClean="0"/>
+              <a:t>.</a:t>
+            </a:r>
+          </a:p>
+          <a:p>
+            <a:r>
+              <a:rPr lang="ko-KR" altLang="en-US" sz="2000" dirty="0" smtClean="0"/>
+              <a:t>블로그 검색화면</a:t>
+            </a:r>
+            <a:endParaRPr lang="en-US" altLang="ko-KR" sz="2000" dirty="0" smtClean="0"/>
+          </a:p>
+          <a:p>
+            <a:r>
+              <a:rPr lang="en-US" altLang="ko-KR" sz="2000" dirty="0" smtClean="0"/>
+              <a:t>Following/</a:t>
+            </a:r>
+            <a:r>
+              <a:rPr lang="en-US" altLang="ko-KR" sz="2000" dirty="0" err="1" smtClean="0"/>
+              <a:t>Follwer</a:t>
+            </a:r>
+            <a:r>
+              <a:rPr lang="en-US" altLang="ko-KR" sz="2000" dirty="0" smtClean="0"/>
+              <a:t> </a:t>
+            </a:r>
+            <a:r>
+              <a:rPr lang="ko-KR" altLang="en-US" sz="2000" dirty="0" err="1" smtClean="0"/>
+              <a:t>관리화면</a:t>
+            </a:r>
+            <a:endParaRPr lang="en-US" altLang="ko-KR" sz="2000" dirty="0" smtClean="0"/>
+          </a:p>
+          <a:p>
+            <a:r>
+              <a:rPr lang="ko-KR" altLang="en-US" sz="2000" dirty="0" smtClean="0"/>
+              <a:t>개인 설정</a:t>
+            </a:r>
+            <a:r>
+              <a:rPr lang="en-US" altLang="ko-KR" sz="2000" dirty="0" smtClean="0"/>
+              <a:t>(</a:t>
+            </a:r>
+            <a:r>
+              <a:rPr lang="ko-KR" altLang="en-US" sz="2000" dirty="0" smtClean="0"/>
+              <a:t>연락처</a:t>
+            </a:r>
+            <a:r>
+              <a:rPr lang="en-US" altLang="ko-KR" sz="2000" dirty="0" smtClean="0"/>
+              <a:t>/</a:t>
+            </a:r>
+            <a:r>
+              <a:rPr lang="ko-KR" altLang="en-US" sz="2000" dirty="0" smtClean="0"/>
+              <a:t>비밀번호</a:t>
+            </a:r>
+            <a:r>
+              <a:rPr lang="en-US" altLang="ko-KR" sz="2000" dirty="0" smtClean="0"/>
+              <a:t>/</a:t>
+            </a:r>
+            <a:r>
+              <a:rPr lang="ko-KR" altLang="en-US" sz="2000" dirty="0" err="1" smtClean="0"/>
+              <a:t>페이지뷰</a:t>
+            </a:r>
+            <a:r>
+              <a:rPr lang="ko-KR" altLang="en-US" sz="2000" dirty="0" smtClean="0"/>
+              <a:t> 통계</a:t>
+            </a:r>
+            <a:r>
+              <a:rPr lang="en-US" altLang="ko-KR" sz="2000" dirty="0" smtClean="0"/>
+              <a:t>)</a:t>
+            </a:r>
+          </a:p>
+          <a:p>
+            <a:endParaRPr lang="ko-KR" altLang="en-US" sz="2000" dirty="0"/>
+          </a:p>
+        </p:txBody>
+      </p:sp>
     </p:spTree>
     <p:extLst>
       <p:ext uri="{BB962C8B-B14F-4D97-AF65-F5344CB8AC3E}">
-        <p14:creationId xmlns:p14="http://schemas.microsoft.com/office/powerpoint/2010/main" val="4035745853"/>
+        <p14:creationId xmlns:p14="http://schemas.microsoft.com/office/powerpoint/2010/main" val="3438092475"/>
       </p:ext>
     </p:extLst>
   </p:cSld>
